--- a/Dokumentace/Prezentace/Redakční systém.pptx
+++ b/Dokumentace/Prezentace/Redakční systém.pptx
@@ -5,7 +5,7 @@
     <p:sldMasterId id="2147483720" r:id="rId1"/>
   </p:sldMasterIdLst>
   <p:notesMasterIdLst>
-    <p:notesMasterId r:id="rId11"/>
+    <p:notesMasterId r:id="rId13"/>
   </p:notesMasterIdLst>
   <p:sldIdLst>
     <p:sldId id="256" r:id="rId2"/>
@@ -17,6 +17,8 @@
     <p:sldId id="263" r:id="rId8"/>
     <p:sldId id="260" r:id="rId9"/>
     <p:sldId id="261" r:id="rId10"/>
+    <p:sldId id="265" r:id="rId11"/>
+    <p:sldId id="266" r:id="rId12"/>
   </p:sldIdLst>
   <p:sldSz cx="9144000" cy="6858000" type="screen4x3"/>
   <p:notesSz cx="6858000" cy="9144000"/>
@@ -200,7 +202,8 @@
           <a:p>
             <a:fld id="{DB381C85-5648-44A1-BA6F-89F856D72038}" type="datetimeFigureOut">
               <a:rPr lang="cs-CZ" smtClean="0"/>
-              <a:t>20.11.2016</a:t>
+              <a:pPr/>
+              <a:t>21.11.2016</a:t>
             </a:fld>
             <a:endParaRPr lang="cs-CZ"/>
           </a:p>
@@ -361,6 +364,7 @@
           <a:p>
             <a:fld id="{5A87634D-9361-4966-BD97-B3988981ACAC}" type="slidenum">
               <a:rPr lang="cs-CZ" smtClean="0"/>
+              <a:pPr/>
               <a:t>‹#›</a:t>
             </a:fld>
             <a:endParaRPr lang="cs-CZ"/>
@@ -532,6 +536,7 @@
           <a:p>
             <a:fld id="{5A87634D-9361-4966-BD97-B3988981ACAC}" type="slidenum">
               <a:rPr lang="cs-CZ" smtClean="0"/>
+              <a:pPr/>
               <a:t>9</a:t>
             </a:fld>
             <a:endParaRPr lang="cs-CZ"/>
@@ -1171,7 +1176,8 @@
           <a:p>
             <a:fld id="{9FD9C803-E10A-47CE-A90B-B0E489C7F960}" type="datetimeFigureOut">
               <a:rPr lang="cs-CZ" smtClean="0"/>
-              <a:t>20.11.2016</a:t>
+              <a:pPr/>
+              <a:t>21.11.2016</a:t>
             </a:fld>
             <a:endParaRPr lang="cs-CZ" dirty="0"/>
           </a:p>
@@ -1233,6 +1239,7 @@
           <a:p>
             <a:fld id="{D378C2AC-CE45-440E-9DEB-62B2A1036EF7}" type="slidenum">
               <a:rPr lang="cs-CZ" smtClean="0"/>
+              <a:pPr/>
               <a:t>‹#›</a:t>
             </a:fld>
             <a:endParaRPr lang="cs-CZ" dirty="0"/>
@@ -1367,7 +1374,8 @@
           <a:p>
             <a:fld id="{9FD9C803-E10A-47CE-A90B-B0E489C7F960}" type="datetimeFigureOut">
               <a:rPr lang="cs-CZ" smtClean="0"/>
-              <a:t>20.11.2016</a:t>
+              <a:pPr/>
+              <a:t>21.11.2016</a:t>
             </a:fld>
             <a:endParaRPr lang="cs-CZ" dirty="0"/>
           </a:p>
@@ -1413,6 +1421,7 @@
           <a:p>
             <a:fld id="{D378C2AC-CE45-440E-9DEB-62B2A1036EF7}" type="slidenum">
               <a:rPr lang="cs-CZ" smtClean="0"/>
+              <a:pPr/>
               <a:t>‹#›</a:t>
             </a:fld>
             <a:endParaRPr lang="cs-CZ" dirty="0"/>
@@ -1552,7 +1561,8 @@
           <a:p>
             <a:fld id="{9FD9C803-E10A-47CE-A90B-B0E489C7F960}" type="datetimeFigureOut">
               <a:rPr lang="cs-CZ" smtClean="0"/>
-              <a:t>20.11.2016</a:t>
+              <a:pPr/>
+              <a:t>21.11.2016</a:t>
             </a:fld>
             <a:endParaRPr lang="cs-CZ" dirty="0"/>
           </a:p>
@@ -1598,6 +1608,7 @@
           <a:p>
             <a:fld id="{D378C2AC-CE45-440E-9DEB-62B2A1036EF7}" type="slidenum">
               <a:rPr lang="cs-CZ" smtClean="0"/>
+              <a:pPr/>
               <a:t>‹#›</a:t>
             </a:fld>
             <a:endParaRPr lang="cs-CZ" dirty="0"/>
@@ -1702,7 +1713,8 @@
           <a:p>
             <a:fld id="{9FD9C803-E10A-47CE-A90B-B0E489C7F960}" type="datetimeFigureOut">
               <a:rPr lang="cs-CZ" smtClean="0"/>
-              <a:t>20.11.2016</a:t>
+              <a:pPr/>
+              <a:t>21.11.2016</a:t>
             </a:fld>
             <a:endParaRPr lang="cs-CZ" dirty="0"/>
           </a:p>
@@ -1748,6 +1760,7 @@
           <a:p>
             <a:fld id="{D378C2AC-CE45-440E-9DEB-62B2A1036EF7}" type="slidenum">
               <a:rPr lang="cs-CZ" smtClean="0"/>
+              <a:pPr/>
               <a:t>‹#›</a:t>
             </a:fld>
             <a:endParaRPr lang="cs-CZ" dirty="0"/>
@@ -1957,7 +1970,8 @@
           <a:p>
             <a:fld id="{9FD9C803-E10A-47CE-A90B-B0E489C7F960}" type="datetimeFigureOut">
               <a:rPr lang="cs-CZ" smtClean="0"/>
-              <a:t>20.11.2016</a:t>
+              <a:pPr/>
+              <a:t>21.11.2016</a:t>
             </a:fld>
             <a:endParaRPr lang="cs-CZ" dirty="0"/>
           </a:p>
@@ -2003,6 +2017,7 @@
           <a:p>
             <a:fld id="{D378C2AC-CE45-440E-9DEB-62B2A1036EF7}" type="slidenum">
               <a:rPr lang="cs-CZ" smtClean="0"/>
+              <a:pPr/>
               <a:t>‹#›</a:t>
             </a:fld>
             <a:endParaRPr lang="cs-CZ" dirty="0"/>
@@ -2366,7 +2381,8 @@
           <a:p>
             <a:fld id="{9FD9C803-E10A-47CE-A90B-B0E489C7F960}" type="datetimeFigureOut">
               <a:rPr lang="cs-CZ" smtClean="0"/>
-              <a:t>20.11.2016</a:t>
+              <a:pPr/>
+              <a:t>21.11.2016</a:t>
             </a:fld>
             <a:endParaRPr lang="cs-CZ" dirty="0"/>
           </a:p>
@@ -2412,6 +2428,7 @@
           <a:p>
             <a:fld id="{D378C2AC-CE45-440E-9DEB-62B2A1036EF7}" type="slidenum">
               <a:rPr lang="cs-CZ" smtClean="0"/>
+              <a:pPr/>
               <a:t>‹#›</a:t>
             </a:fld>
             <a:endParaRPr lang="cs-CZ" dirty="0"/>
@@ -2812,7 +2829,8 @@
           <a:p>
             <a:fld id="{9FD9C803-E10A-47CE-A90B-B0E489C7F960}" type="datetimeFigureOut">
               <a:rPr lang="cs-CZ" smtClean="0"/>
-              <a:t>20.11.2016</a:t>
+              <a:pPr/>
+              <a:t>21.11.2016</a:t>
             </a:fld>
             <a:endParaRPr lang="cs-CZ" dirty="0"/>
           </a:p>
@@ -2858,6 +2876,7 @@
           <a:p>
             <a:fld id="{D378C2AC-CE45-440E-9DEB-62B2A1036EF7}" type="slidenum">
               <a:rPr lang="cs-CZ" smtClean="0"/>
+              <a:pPr/>
               <a:t>‹#›</a:t>
             </a:fld>
             <a:endParaRPr lang="cs-CZ" dirty="0"/>
@@ -2913,7 +2932,8 @@
           <a:p>
             <a:fld id="{9FD9C803-E10A-47CE-A90B-B0E489C7F960}" type="datetimeFigureOut">
               <a:rPr lang="cs-CZ" smtClean="0"/>
-              <a:t>20.11.2016</a:t>
+              <a:pPr/>
+              <a:t>21.11.2016</a:t>
             </a:fld>
             <a:endParaRPr lang="cs-CZ" dirty="0"/>
           </a:p>
@@ -2959,6 +2979,7 @@
           <a:p>
             <a:fld id="{D378C2AC-CE45-440E-9DEB-62B2A1036EF7}" type="slidenum">
               <a:rPr lang="cs-CZ" smtClean="0"/>
+              <a:pPr/>
               <a:t>‹#›</a:t>
             </a:fld>
             <a:endParaRPr lang="cs-CZ" dirty="0"/>
@@ -3034,7 +3055,8 @@
           <a:p>
             <a:fld id="{9FD9C803-E10A-47CE-A90B-B0E489C7F960}" type="datetimeFigureOut">
               <a:rPr lang="cs-CZ" smtClean="0"/>
-              <a:t>20.11.2016</a:t>
+              <a:pPr/>
+              <a:t>21.11.2016</a:t>
             </a:fld>
             <a:endParaRPr lang="cs-CZ" dirty="0"/>
           </a:p>
@@ -3080,6 +3102,7 @@
           <a:p>
             <a:fld id="{D378C2AC-CE45-440E-9DEB-62B2A1036EF7}" type="slidenum">
               <a:rPr lang="cs-CZ" smtClean="0"/>
+              <a:pPr/>
               <a:t>‹#›</a:t>
             </a:fld>
             <a:endParaRPr lang="cs-CZ" dirty="0"/>
@@ -3308,7 +3331,8 @@
           <a:p>
             <a:fld id="{9FD9C803-E10A-47CE-A90B-B0E489C7F960}" type="datetimeFigureOut">
               <a:rPr lang="cs-CZ" smtClean="0"/>
-              <a:t>20.11.2016</a:t>
+              <a:pPr/>
+              <a:t>21.11.2016</a:t>
             </a:fld>
             <a:endParaRPr lang="cs-CZ" dirty="0"/>
           </a:p>
@@ -3354,6 +3378,7 @@
           <a:p>
             <a:fld id="{D378C2AC-CE45-440E-9DEB-62B2A1036EF7}" type="slidenum">
               <a:rPr lang="cs-CZ" smtClean="0"/>
+              <a:pPr/>
               <a:t>‹#›</a:t>
             </a:fld>
             <a:endParaRPr lang="cs-CZ" dirty="0"/>
@@ -3513,7 +3538,8 @@
           <a:p>
             <a:fld id="{9FD9C803-E10A-47CE-A90B-B0E489C7F960}" type="datetimeFigureOut">
               <a:rPr lang="cs-CZ" smtClean="0"/>
-              <a:t>20.11.2016</a:t>
+              <a:pPr/>
+              <a:t>21.11.2016</a:t>
             </a:fld>
             <a:endParaRPr lang="cs-CZ" dirty="0"/>
           </a:p>
@@ -3578,6 +3604,7 @@
           <a:p>
             <a:fld id="{D378C2AC-CE45-440E-9DEB-62B2A1036EF7}" type="slidenum">
               <a:rPr lang="cs-CZ" smtClean="0"/>
+              <a:pPr/>
               <a:t>‹#›</a:t>
             </a:fld>
             <a:endParaRPr lang="cs-CZ" dirty="0"/>
@@ -4622,7 +4649,8 @@
           <a:p>
             <a:fld id="{9FD9C803-E10A-47CE-A90B-B0E489C7F960}" type="datetimeFigureOut">
               <a:rPr lang="cs-CZ" smtClean="0"/>
-              <a:t>20.11.2016</a:t>
+              <a:pPr/>
+              <a:t>21.11.2016</a:t>
             </a:fld>
             <a:endParaRPr lang="cs-CZ" dirty="0"/>
           </a:p>
@@ -4698,6 +4726,7 @@
           <a:p>
             <a:fld id="{D378C2AC-CE45-440E-9DEB-62B2A1036EF7}" type="slidenum">
               <a:rPr lang="cs-CZ" smtClean="0"/>
+              <a:pPr/>
               <a:t>‹#›</a:t>
             </a:fld>
             <a:endParaRPr lang="cs-CZ" dirty="0"/>
@@ -5107,11 +5136,7 @@
             </a:r>
             <a:r>
               <a:rPr lang="cs-CZ" sz="2000" b="1" dirty="0" smtClean="0"/>
-              <a:t>ojer</a:t>
-            </a:r>
-            <a:r>
-              <a:rPr lang="cs-CZ" sz="2000" b="1" dirty="0" smtClean="0"/>
-              <a:t>, Patrik Rychetský, Pavel Zeman</a:t>
+              <a:t>ojer, Patrik Rychetský, Pavel Zeman</a:t>
             </a:r>
             <a:endParaRPr lang="cs-CZ" sz="2000" b="1" dirty="0"/>
           </a:p>
@@ -5129,6 +5154,127 @@
       </p:par>
     </p:tnLst>
   </p:timing>
+</p:sld>
+</file>
+
+<file path=ppt/slides/slide10.xml><?xml version="1.0" encoding="utf-8"?>
+<p:sld xmlns:a="http://schemas.openxmlformats.org/drawingml/2006/main" xmlns:r="http://schemas.openxmlformats.org/officeDocument/2006/relationships" xmlns:p="http://schemas.openxmlformats.org/presentationml/2006/main">
+  <p:cSld>
+    <p:spTree>
+      <p:nvGrpSpPr>
+        <p:cNvPr id="1" name=""/>
+        <p:cNvGrpSpPr/>
+        <p:nvPr/>
+      </p:nvGrpSpPr>
+      <p:grpSpPr>
+        <a:xfrm>
+          <a:off x="0" y="0"/>
+          <a:ext cx="0" cy="0"/>
+          <a:chOff x="0" y="0"/>
+          <a:chExt cx="0" cy="0"/>
+        </a:xfrm>
+      </p:grpSpPr>
+      <p:pic>
+        <p:nvPicPr>
+          <p:cNvPr id="1026" name="Picture 2" descr="E:\Škola\RSP\prezentace\seenowdo2.PNG"/>
+          <p:cNvPicPr>
+            <a:picLocks noChangeAspect="1" noChangeArrowheads="1"/>
+          </p:cNvPicPr>
+          <p:nvPr/>
+        </p:nvPicPr>
+        <p:blipFill>
+          <a:blip r:embed="rId2"/>
+          <a:srcRect/>
+          <a:stretch>
+            <a:fillRect/>
+          </a:stretch>
+        </p:blipFill>
+        <p:spPr bwMode="auto">
+          <a:xfrm>
+            <a:off x="1000100" y="428604"/>
+            <a:ext cx="7239622" cy="5143536"/>
+          </a:xfrm>
+          <a:prstGeom prst="rect">
+            <a:avLst/>
+          </a:prstGeom>
+          <a:noFill/>
+        </p:spPr>
+      </p:pic>
+    </p:spTree>
+  </p:cSld>
+  <p:clrMapOvr>
+    <a:masterClrMapping/>
+  </p:clrMapOvr>
+</p:sld>
+</file>
+
+<file path=ppt/slides/slide11.xml><?xml version="1.0" encoding="utf-8"?>
+<p:sld xmlns:a="http://schemas.openxmlformats.org/drawingml/2006/main" xmlns:r="http://schemas.openxmlformats.org/officeDocument/2006/relationships" xmlns:p="http://schemas.openxmlformats.org/presentationml/2006/main">
+  <p:cSld>
+    <p:spTree>
+      <p:nvGrpSpPr>
+        <p:cNvPr id="1" name=""/>
+        <p:cNvGrpSpPr/>
+        <p:nvPr/>
+      </p:nvGrpSpPr>
+      <p:grpSpPr>
+        <a:xfrm>
+          <a:off x="0" y="0"/>
+          <a:ext cx="0" cy="0"/>
+          <a:chOff x="0" y="0"/>
+          <a:chExt cx="0" cy="0"/>
+        </a:xfrm>
+      </p:grpSpPr>
+      <p:sp>
+        <p:nvSpPr>
+          <p:cNvPr id="3" name="Nadpis 2"/>
+          <p:cNvSpPr>
+            <a:spLocks noGrp="1"/>
+          </p:cNvSpPr>
+          <p:nvPr>
+            <p:ph type="title"/>
+          </p:nvPr>
+        </p:nvSpPr>
+        <p:spPr>
+          <a:xfrm>
+            <a:off x="428596" y="2643182"/>
+            <a:ext cx="8229600" cy="1143000"/>
+          </a:xfrm>
+        </p:spPr>
+        <p:txBody>
+          <a:bodyPr>
+            <a:normAutofit fontScale="90000"/>
+          </a:bodyPr>
+          <a:lstStyle/>
+          <a:p>
+            <a:pPr algn="ctr"/>
+            <a:r>
+              <a:rPr lang="cs-CZ" dirty="0" smtClean="0"/>
+              <a:t>KONEC</a:t>
+            </a:r>
+            <a:br>
+              <a:rPr lang="cs-CZ" dirty="0" smtClean="0"/>
+            </a:br>
+            <a:r>
+              <a:rPr lang="cs-CZ" dirty="0" smtClean="0"/>
+              <a:t/>
+            </a:r>
+            <a:br>
+              <a:rPr lang="cs-CZ" dirty="0" smtClean="0"/>
+            </a:br>
+            <a:r>
+              <a:rPr lang="cs-CZ" dirty="0" smtClean="0"/>
+              <a:t>Děkujeme za pozornost</a:t>
+            </a:r>
+            <a:endParaRPr lang="cs-CZ" dirty="0"/>
+          </a:p>
+        </p:txBody>
+      </p:sp>
+    </p:spTree>
+  </p:cSld>
+  <p:clrMapOvr>
+    <a:masterClrMapping/>
+  </p:clrMapOvr>
 </p:sld>
 </file>
 
